--- a/source/ImplementationAtEachLayer/images_CreateWebApplicationProject/materialCreateWebApplicationProject.pptx
+++ b/source/ImplementationAtEachLayer/images_CreateWebApplicationProject/materialCreateWebApplicationProject.pptx
@@ -119,6 +119,20 @@
         </p14:section>
       </p14:sectionLst>
     </p:ext>
+    <p:ext uri="{EFAFB233-063F-42B5-8137-9DF3F51BA10A}">
+      <p15:sldGuideLst xmlns:p15="http://schemas.microsoft.com/office/powerpoint/2012/main">
+        <p15:guide id="1" orient="horz" pos="2160" userDrawn="1">
+          <p15:clr>
+            <a:srgbClr val="A4A3A4"/>
+          </p15:clr>
+        </p15:guide>
+        <p15:guide id="2" pos="2880" userDrawn="1">
+          <p15:clr>
+            <a:srgbClr val="A4A3A4"/>
+          </p15:clr>
+        </p15:guide>
+      </p15:sldGuideLst>
+    </p:ext>
   </p:extLst>
 </p:presentation>
 </file>
@@ -205,7 +219,7 @@
           <a:p>
             <a:fld id="{3BB47352-BF5A-4CD2-B029-996118CD8E01}" type="datetimeFigureOut">
               <a:rPr kumimoji="1" lang="ja-JP" altLang="en-US" smtClean="0"/>
-              <a:t>2015/02/11</a:t>
+              <a:t>2019/3/5</a:t>
             </a:fld>
             <a:endParaRPr kumimoji="1" lang="ja-JP" altLang="en-US"/>
           </a:p>
@@ -532,7 +546,12 @@
             <p:ph type="sldImg"/>
           </p:nvPr>
         </p:nvSpPr>
-        <p:spPr/>
+        <p:spPr>
+          <a:xfrm>
+            <a:off x="1143000" y="685800"/>
+            <a:ext cx="4572000" cy="3429000"/>
+          </a:xfrm>
+        </p:spPr>
       </p:sp>
       <p:sp>
         <p:nvSpPr>
@@ -618,7 +637,7 @@
         </p:nvSpPr>
         <p:spPr>
           <a:xfrm>
-            <a:off x="685800" y="2130425"/>
+            <a:off x="685800" y="2130427"/>
             <a:ext cx="7772400" cy="1470025"/>
           </a:xfrm>
         </p:spPr>
@@ -770,7 +789,7 @@
           <a:p>
             <a:fld id="{7B9B12EC-6AA0-374B-A2D3-850081A07A26}" type="datetimeFigureOut">
               <a:rPr kumimoji="1" lang="ja-JP" altLang="en-US" smtClean="0"/>
-              <a:t>2015/02/11</a:t>
+              <a:t>2019/3/5</a:t>
             </a:fld>
             <a:endParaRPr kumimoji="1" lang="ja-JP" altLang="en-US"/>
           </a:p>
@@ -972,7 +991,7 @@
           <a:p>
             <a:fld id="{7B9B12EC-6AA0-374B-A2D3-850081A07A26}" type="datetimeFigureOut">
               <a:rPr kumimoji="1" lang="ja-JP" altLang="en-US" smtClean="0"/>
-              <a:t>2015/02/11</a:t>
+              <a:t>2019/3/5</a:t>
             </a:fld>
             <a:endParaRPr kumimoji="1" lang="ja-JP" altLang="en-US"/>
           </a:p>
@@ -1062,7 +1081,7 @@
         </p:nvSpPr>
         <p:spPr>
           <a:xfrm>
-            <a:off x="6629400" y="274638"/>
+            <a:off x="6629400" y="274640"/>
             <a:ext cx="2057400" cy="5851525"/>
           </a:xfrm>
         </p:spPr>
@@ -1090,7 +1109,7 @@
         </p:nvSpPr>
         <p:spPr>
           <a:xfrm>
-            <a:off x="457200" y="274638"/>
+            <a:off x="457200" y="274640"/>
             <a:ext cx="6019800" cy="5851525"/>
           </a:xfrm>
         </p:spPr>
@@ -1184,7 +1203,7 @@
           <a:p>
             <a:fld id="{7B9B12EC-6AA0-374B-A2D3-850081A07A26}" type="datetimeFigureOut">
               <a:rPr kumimoji="1" lang="ja-JP" altLang="en-US" smtClean="0"/>
-              <a:t>2015/02/11</a:t>
+              <a:t>2019/3/5</a:t>
             </a:fld>
             <a:endParaRPr kumimoji="1" lang="ja-JP" altLang="en-US"/>
           </a:p>
@@ -1386,7 +1405,7 @@
           <a:p>
             <a:fld id="{7B9B12EC-6AA0-374B-A2D3-850081A07A26}" type="datetimeFigureOut">
               <a:rPr kumimoji="1" lang="ja-JP" altLang="en-US" smtClean="0"/>
-              <a:t>2015/02/11</a:t>
+              <a:t>2019/3/5</a:t>
             </a:fld>
             <a:endParaRPr kumimoji="1" lang="ja-JP" altLang="en-US"/>
           </a:p>
@@ -1476,7 +1495,7 @@
         </p:nvSpPr>
         <p:spPr>
           <a:xfrm>
-            <a:off x="722313" y="4406900"/>
+            <a:off x="722313" y="4406902"/>
             <a:ext cx="7772400" cy="1362075"/>
           </a:xfrm>
         </p:spPr>
@@ -1632,7 +1651,7 @@
           <a:p>
             <a:fld id="{7B9B12EC-6AA0-374B-A2D3-850081A07A26}" type="datetimeFigureOut">
               <a:rPr kumimoji="1" lang="ja-JP" altLang="en-US" smtClean="0"/>
-              <a:t>2015/02/11</a:t>
+              <a:t>2019/3/5</a:t>
             </a:fld>
             <a:endParaRPr kumimoji="1" lang="ja-JP" altLang="en-US"/>
           </a:p>
@@ -1745,7 +1764,7 @@
         </p:nvSpPr>
         <p:spPr>
           <a:xfrm>
-            <a:off x="457200" y="1600200"/>
+            <a:off x="457200" y="1600202"/>
             <a:ext cx="4038600" cy="4525963"/>
           </a:xfrm>
         </p:spPr>
@@ -1862,7 +1881,7 @@
         </p:nvSpPr>
         <p:spPr>
           <a:xfrm>
-            <a:off x="4648200" y="1600200"/>
+            <a:off x="4648200" y="1600202"/>
             <a:ext cx="4038600" cy="4525963"/>
           </a:xfrm>
         </p:spPr>
@@ -1984,7 +2003,7 @@
           <a:p>
             <a:fld id="{7B9B12EC-6AA0-374B-A2D3-850081A07A26}" type="datetimeFigureOut">
               <a:rPr kumimoji="1" lang="ja-JP" altLang="en-US" smtClean="0"/>
-              <a:t>2015/02/11</a:t>
+              <a:t>2019/3/5</a:t>
             </a:fld>
             <a:endParaRPr kumimoji="1" lang="ja-JP" altLang="en-US"/>
           </a:p>
@@ -2283,7 +2302,7 @@
         </p:nvSpPr>
         <p:spPr>
           <a:xfrm>
-            <a:off x="4645025" y="1535113"/>
+            <a:off x="4645026" y="1535113"/>
             <a:ext cx="4041775" cy="639762"/>
           </a:xfrm>
         </p:spPr>
@@ -2348,7 +2367,7 @@
         </p:nvSpPr>
         <p:spPr>
           <a:xfrm>
-            <a:off x="4645025" y="2174875"/>
+            <a:off x="4645026" y="2174875"/>
             <a:ext cx="4041775" cy="3951288"/>
           </a:xfrm>
         </p:spPr>
@@ -2470,7 +2489,7 @@
           <a:p>
             <a:fld id="{7B9B12EC-6AA0-374B-A2D3-850081A07A26}" type="datetimeFigureOut">
               <a:rPr kumimoji="1" lang="ja-JP" altLang="en-US" smtClean="0"/>
-              <a:t>2015/02/11</a:t>
+              <a:t>2019/3/5</a:t>
             </a:fld>
             <a:endParaRPr kumimoji="1" lang="ja-JP" altLang="en-US"/>
           </a:p>
@@ -2588,7 +2607,7 @@
           <a:p>
             <a:fld id="{7B9B12EC-6AA0-374B-A2D3-850081A07A26}" type="datetimeFigureOut">
               <a:rPr kumimoji="1" lang="ja-JP" altLang="en-US" smtClean="0"/>
-              <a:t>2015/02/11</a:t>
+              <a:t>2019/3/5</a:t>
             </a:fld>
             <a:endParaRPr kumimoji="1" lang="ja-JP" altLang="en-US"/>
           </a:p>
@@ -2683,7 +2702,7 @@
           <a:p>
             <a:fld id="{7B9B12EC-6AA0-374B-A2D3-850081A07A26}" type="datetimeFigureOut">
               <a:rPr kumimoji="1" lang="ja-JP" altLang="en-US" smtClean="0"/>
-              <a:t>2015/02/11</a:t>
+              <a:t>2019/3/5</a:t>
             </a:fld>
             <a:endParaRPr kumimoji="1" lang="ja-JP" altLang="en-US"/>
           </a:p>
@@ -2773,7 +2792,7 @@
         </p:nvSpPr>
         <p:spPr>
           <a:xfrm>
-            <a:off x="457200" y="273050"/>
+            <a:off x="457201" y="273050"/>
             <a:ext cx="3008313" cy="1162050"/>
           </a:xfrm>
         </p:spPr>
@@ -2805,7 +2824,7 @@
         </p:nvSpPr>
         <p:spPr>
           <a:xfrm>
-            <a:off x="3575050" y="273050"/>
+            <a:off x="3575050" y="273052"/>
             <a:ext cx="5111750" cy="5853113"/>
           </a:xfrm>
         </p:spPr>
@@ -2922,7 +2941,7 @@
         </p:nvSpPr>
         <p:spPr>
           <a:xfrm>
-            <a:off x="457200" y="1435100"/>
+            <a:off x="457201" y="1435102"/>
             <a:ext cx="3008313" cy="4691063"/>
           </a:xfrm>
         </p:spPr>
@@ -2992,7 +3011,7 @@
           <a:p>
             <a:fld id="{7B9B12EC-6AA0-374B-A2D3-850081A07A26}" type="datetimeFigureOut">
               <a:rPr kumimoji="1" lang="ja-JP" altLang="en-US" smtClean="0"/>
-              <a:t>2015/02/11</a:t>
+              <a:t>2019/3/5</a:t>
             </a:fld>
             <a:endParaRPr kumimoji="1" lang="ja-JP" altLang="en-US"/>
           </a:p>
@@ -3245,7 +3264,7 @@
           <a:p>
             <a:fld id="{7B9B12EC-6AA0-374B-A2D3-850081A07A26}" type="datetimeFigureOut">
               <a:rPr kumimoji="1" lang="ja-JP" altLang="en-US" smtClean="0"/>
-              <a:t>2015/02/11</a:t>
+              <a:t>2019/3/5</a:t>
             </a:fld>
             <a:endParaRPr kumimoji="1" lang="ja-JP" altLang="en-US"/>
           </a:p>
@@ -3373,7 +3392,7 @@
         </p:nvSpPr>
         <p:spPr>
           <a:xfrm>
-            <a:off x="457200" y="1600200"/>
+            <a:off x="457200" y="1600202"/>
             <a:ext cx="8229600" cy="4525963"/>
           </a:xfrm>
           <a:prstGeom prst="rect">
@@ -3467,7 +3486,7 @@
         </p:nvSpPr>
         <p:spPr>
           <a:xfrm>
-            <a:off x="457200" y="6356350"/>
+            <a:off x="457200" y="6356352"/>
             <a:ext cx="2133600" cy="365125"/>
           </a:xfrm>
           <a:prstGeom prst="rect">
@@ -3490,7 +3509,7 @@
           <a:p>
             <a:fld id="{7B9B12EC-6AA0-374B-A2D3-850081A07A26}" type="datetimeFigureOut">
               <a:rPr kumimoji="1" lang="ja-JP" altLang="en-US" smtClean="0"/>
-              <a:t>2015/02/11</a:t>
+              <a:t>2019/3/5</a:t>
             </a:fld>
             <a:endParaRPr kumimoji="1" lang="ja-JP" altLang="en-US"/>
           </a:p>
@@ -3508,7 +3527,7 @@
         </p:nvSpPr>
         <p:spPr>
           <a:xfrm>
-            <a:off x="3124200" y="6356350"/>
+            <a:off x="3124200" y="6356352"/>
             <a:ext cx="2895600" cy="365125"/>
           </a:xfrm>
           <a:prstGeom prst="rect">
@@ -3545,7 +3564,7 @@
         </p:nvSpPr>
         <p:spPr>
           <a:xfrm>
-            <a:off x="6553200" y="6356350"/>
+            <a:off x="6553200" y="6356352"/>
             <a:ext cx="2133600" cy="365125"/>
           </a:xfrm>
           <a:prstGeom prst="rect">
@@ -3873,7 +3892,7 @@
         </p:nvSpPr>
         <p:spPr>
           <a:xfrm>
-            <a:off x="275279" y="1054099"/>
+            <a:off x="275279" y="1054101"/>
             <a:ext cx="3205802" cy="1949697"/>
           </a:xfrm>
           <a:prstGeom prst="roundRect">
@@ -3917,14 +3936,14 @@
           <a:p>
             <a:pPr algn="ctr"/>
             <a:r>
-              <a:rPr lang="en-US" altLang="ja-JP" sz="2400" dirty="0" err="1" smtClean="0">
+              <a:rPr lang="en-US" altLang="ja-JP" sz="2400" dirty="0" err="1">
                 <a:solidFill>
                   <a:schemeClr val="bg1"/>
                 </a:solidFill>
               </a:rPr>
               <a:t>ApplicationContext</a:t>
             </a:r>
-            <a:endParaRPr lang="en-US" altLang="ja-JP" sz="2400" dirty="0" smtClean="0">
+            <a:endParaRPr lang="en-US" altLang="ja-JP" sz="2400" dirty="0">
               <a:solidFill>
                 <a:schemeClr val="bg1"/>
               </a:solidFill>
@@ -3933,7 +3952,7 @@
           <a:p>
             <a:pPr algn="ctr"/>
             <a:r>
-              <a:rPr kumimoji="1" lang="en-US" altLang="ja-JP" sz="2400" dirty="0" smtClean="0">
+              <a:rPr lang="en-US" altLang="ja-JP" sz="2400" dirty="0">
                 <a:solidFill>
                   <a:schemeClr val="bg1"/>
                 </a:solidFill>
@@ -3944,7 +3963,7 @@
           <a:p>
             <a:pPr algn="ctr"/>
             <a:r>
-              <a:rPr kumimoji="1" lang="en-US" altLang="ja-JP" sz="2400" dirty="0" smtClean="0">
+              <a:rPr lang="en-US" altLang="ja-JP" sz="2400" dirty="0">
                 <a:solidFill>
                   <a:schemeClr val="bg1"/>
                 </a:solidFill>
@@ -3955,14 +3974,14 @@
           <a:p>
             <a:pPr algn="ctr"/>
             <a:r>
-              <a:rPr lang="en-US" altLang="ja-JP" sz="2400" dirty="0" smtClean="0">
+              <a:rPr lang="en-US" altLang="ja-JP" sz="2400" dirty="0">
                 <a:solidFill>
                   <a:schemeClr val="bg1"/>
                 </a:solidFill>
               </a:rPr>
               <a:t>(Parent Context)</a:t>
             </a:r>
-            <a:endParaRPr kumimoji="1" lang="ja-JP" altLang="en-US" sz="2400" dirty="0">
+            <a:endParaRPr lang="ja-JP" altLang="en-US" sz="2400" dirty="0">
               <a:solidFill>
                 <a:schemeClr val="bg1"/>
               </a:solidFill>
@@ -3978,7 +3997,7 @@
         </p:nvSpPr>
         <p:spPr>
           <a:xfrm>
-            <a:off x="287979" y="4560062"/>
+            <a:off x="287979" y="4560064"/>
             <a:ext cx="3205802" cy="1701037"/>
           </a:xfrm>
           <a:prstGeom prst="roundRect">
@@ -4022,14 +4041,14 @@
           <a:p>
             <a:pPr algn="ctr"/>
             <a:r>
-              <a:rPr lang="en-US" altLang="ja-JP" sz="2400" dirty="0" err="1" smtClean="0">
+              <a:rPr lang="en-US" altLang="ja-JP" sz="2400" dirty="0" err="1">
                 <a:solidFill>
                   <a:schemeClr val="bg1"/>
                 </a:solidFill>
               </a:rPr>
               <a:t>ApplicationContext</a:t>
             </a:r>
-            <a:endParaRPr lang="en-US" altLang="ja-JP" sz="2400" dirty="0" smtClean="0">
+            <a:endParaRPr lang="en-US" altLang="ja-JP" sz="2400" dirty="0">
               <a:solidFill>
                 <a:schemeClr val="bg1"/>
               </a:solidFill>
@@ -4038,7 +4057,7 @@
           <a:p>
             <a:pPr algn="ctr"/>
             <a:r>
-              <a:rPr kumimoji="1" lang="en-US" altLang="ja-JP" sz="2400" dirty="0" smtClean="0">
+              <a:rPr lang="en-US" altLang="ja-JP" sz="2400" dirty="0">
                 <a:solidFill>
                   <a:schemeClr val="bg1"/>
                 </a:solidFill>
@@ -4049,14 +4068,14 @@
           <a:p>
             <a:pPr algn="ctr"/>
             <a:r>
-              <a:rPr lang="en-US" altLang="ja-JP" sz="2400" dirty="0" err="1" smtClean="0">
+              <a:rPr lang="en-US" altLang="ja-JP" sz="2400" dirty="0" err="1">
                 <a:solidFill>
                   <a:schemeClr val="bg1"/>
                 </a:solidFill>
               </a:rPr>
               <a:t>DispatcherServlet</a:t>
             </a:r>
-            <a:endParaRPr lang="en-US" altLang="ja-JP" sz="2400" dirty="0" smtClean="0">
+            <a:endParaRPr lang="en-US" altLang="ja-JP" sz="2400" dirty="0">
               <a:solidFill>
                 <a:schemeClr val="bg1"/>
               </a:solidFill>
@@ -4072,7 +4091,7 @@
         </p:nvSpPr>
         <p:spPr>
           <a:xfrm>
-            <a:off x="4192243" y="597406"/>
+            <a:off x="4192245" y="597406"/>
             <a:ext cx="1316855" cy="1016000"/>
           </a:xfrm>
           <a:prstGeom prst="flowChartDocument">
@@ -4109,7 +4128,7 @@
           <a:p>
             <a:pPr algn="ctr"/>
             <a:r>
-              <a:rPr lang="en-US" altLang="ja-JP" sz="1400" dirty="0" err="1" smtClean="0">
+              <a:rPr lang="en-US" altLang="ja-JP" sz="1400" dirty="0" err="1">
                 <a:solidFill>
                   <a:schemeClr val="tx1">
                     <a:lumMod val="65000"/>
@@ -4119,7 +4138,7 @@
               </a:rPr>
               <a:t>applicationContext.xml</a:t>
             </a:r>
-            <a:endParaRPr kumimoji="1" lang="ja-JP" altLang="en-US" sz="1400" dirty="0" smtClean="0">
+            <a:endParaRPr lang="ja-JP" altLang="en-US" sz="1400" dirty="0">
               <a:solidFill>
                 <a:schemeClr val="tx1">
                   <a:lumMod val="65000"/>
@@ -4175,7 +4194,7 @@
           <a:p>
             <a:pPr algn="ctr"/>
             <a:r>
-              <a:rPr lang="en-US" altLang="ja-JP" sz="1400" dirty="0" err="1" smtClean="0">
+              <a:rPr lang="en-US" altLang="ja-JP" sz="1400" dirty="0" err="1">
                 <a:solidFill>
                   <a:schemeClr val="tx1">
                     <a:lumMod val="65000"/>
@@ -4185,7 +4204,7 @@
               </a:rPr>
               <a:t>domain.xml</a:t>
             </a:r>
-            <a:endParaRPr kumimoji="1" lang="ja-JP" altLang="en-US" sz="1400" dirty="0" smtClean="0">
+            <a:endParaRPr lang="ja-JP" altLang="en-US" sz="1400" dirty="0">
               <a:solidFill>
                 <a:schemeClr val="tx1">
                   <a:lumMod val="65000"/>
@@ -4241,7 +4260,7 @@
           <a:p>
             <a:pPr algn="ctr"/>
             <a:r>
-              <a:rPr lang="en-US" altLang="ja-JP" sz="1400" dirty="0" err="1" smtClean="0">
+              <a:rPr lang="en-US" altLang="ja-JP" sz="1400" dirty="0" err="1">
                 <a:solidFill>
                   <a:schemeClr val="tx1">
                     <a:lumMod val="65000"/>
@@ -4251,7 +4270,7 @@
               </a:rPr>
               <a:t>infra.xml</a:t>
             </a:r>
-            <a:endParaRPr kumimoji="1" lang="ja-JP" altLang="en-US" sz="1400" dirty="0" smtClean="0">
+            <a:endParaRPr lang="ja-JP" altLang="en-US" sz="1400" dirty="0">
               <a:solidFill>
                 <a:schemeClr val="tx1">
                   <a:lumMod val="65000"/>
@@ -4307,7 +4326,7 @@
           <a:p>
             <a:pPr algn="ctr"/>
             <a:r>
-              <a:rPr lang="en-US" altLang="ja-JP" sz="1400" dirty="0" err="1" smtClean="0">
+              <a:rPr lang="en-US" altLang="ja-JP" sz="1400" dirty="0" err="1">
                 <a:solidFill>
                   <a:schemeClr val="tx1">
                     <a:lumMod val="65000"/>
@@ -4317,7 +4336,7 @@
               </a:rPr>
               <a:t>env.xml</a:t>
             </a:r>
-            <a:endParaRPr kumimoji="1" lang="ja-JP" altLang="en-US" sz="1400" dirty="0" smtClean="0">
+            <a:endParaRPr lang="ja-JP" altLang="en-US" sz="1400" dirty="0">
               <a:solidFill>
                 <a:schemeClr val="tx1">
                   <a:lumMod val="65000"/>
@@ -4336,7 +4355,7 @@
         </p:nvSpPr>
         <p:spPr>
           <a:xfrm>
-            <a:off x="4196759" y="2547379"/>
+            <a:off x="4196761" y="2547379"/>
             <a:ext cx="1316855" cy="1016000"/>
           </a:xfrm>
           <a:prstGeom prst="flowChartDocument">
@@ -4373,7 +4392,7 @@
           <a:p>
             <a:pPr algn="ctr"/>
             <a:r>
-              <a:rPr lang="en-US" altLang="ja-JP" sz="1400" dirty="0" smtClean="0">
+              <a:rPr lang="en-US" altLang="ja-JP" sz="1400" dirty="0">
                 <a:solidFill>
                   <a:schemeClr val="tx1">
                     <a:lumMod val="65000"/>
@@ -4384,7 +4403,7 @@
               <a:t>spring-</a:t>
             </a:r>
             <a:r>
-              <a:rPr lang="en-US" altLang="ja-JP" sz="1400" dirty="0" err="1" smtClean="0">
+              <a:rPr lang="en-US" altLang="ja-JP" sz="1400" dirty="0" err="1">
                 <a:solidFill>
                   <a:schemeClr val="tx1">
                     <a:lumMod val="65000"/>
@@ -4394,7 +4413,7 @@
               </a:rPr>
               <a:t>security.xml</a:t>
             </a:r>
-            <a:endParaRPr kumimoji="1" lang="ja-JP" altLang="en-US" sz="1400" dirty="0" smtClean="0">
+            <a:endParaRPr lang="ja-JP" altLang="en-US" sz="1400" dirty="0">
               <a:solidFill>
                 <a:schemeClr val="tx1">
                   <a:lumMod val="65000"/>
@@ -4413,7 +4432,7 @@
         </p:nvSpPr>
         <p:spPr>
           <a:xfrm>
-            <a:off x="4192243" y="4905883"/>
+            <a:off x="4192245" y="4905883"/>
             <a:ext cx="1316855" cy="1016000"/>
           </a:xfrm>
           <a:prstGeom prst="flowChartDocument">
@@ -4450,7 +4469,7 @@
           <a:p>
             <a:pPr algn="ctr"/>
             <a:r>
-              <a:rPr lang="en-US" altLang="ja-JP" sz="1400" dirty="0" smtClean="0">
+              <a:rPr lang="en-US" altLang="ja-JP" sz="1400" dirty="0">
                 <a:solidFill>
                   <a:schemeClr val="tx1">
                     <a:lumMod val="65000"/>
@@ -4461,7 +4480,7 @@
               <a:t>spring-</a:t>
             </a:r>
             <a:r>
-              <a:rPr lang="en-US" altLang="ja-JP" sz="1400" dirty="0" err="1" smtClean="0">
+              <a:rPr lang="en-US" altLang="ja-JP" sz="1400" dirty="0" err="1">
                 <a:solidFill>
                   <a:schemeClr val="tx1">
                     <a:lumMod val="65000"/>
@@ -4471,7 +4490,7 @@
               </a:rPr>
               <a:t>mvc.xml</a:t>
             </a:r>
-            <a:endParaRPr kumimoji="1" lang="ja-JP" altLang="en-US" sz="1400" dirty="0" smtClean="0">
+            <a:endParaRPr lang="ja-JP" altLang="en-US" sz="1400" dirty="0">
               <a:solidFill>
                 <a:schemeClr val="tx1">
                   <a:lumMod val="65000"/>
@@ -4537,7 +4556,7 @@
         </p:nvCxnSpPr>
         <p:spPr>
           <a:xfrm rot="16200000" flipH="1">
-            <a:off x="6160162" y="2021860"/>
+            <a:off x="6160162" y="2021862"/>
             <a:ext cx="188316" cy="499729"/>
           </a:xfrm>
           <a:prstGeom prst="bentConnector2">
@@ -4620,7 +4639,7 @@
         </p:nvSpPr>
         <p:spPr>
           <a:xfrm>
-            <a:off x="4608355" y="1793589"/>
+            <a:off x="4608357" y="1793589"/>
             <a:ext cx="751929" cy="338554"/>
           </a:xfrm>
           <a:prstGeom prst="rect">
@@ -4635,14 +4654,14 @@
           <a:lstStyle/>
           <a:p>
             <a:r>
-              <a:rPr lang="en-US" altLang="ja-JP" sz="1600" dirty="0" smtClean="0">
+              <a:rPr lang="en-US" altLang="ja-JP" sz="1600" dirty="0">
                 <a:solidFill>
                   <a:srgbClr val="595959"/>
                 </a:solidFill>
               </a:rPr>
               <a:t>import</a:t>
             </a:r>
-            <a:endParaRPr kumimoji="1" lang="ja-JP" altLang="en-US" sz="1600" dirty="0">
+            <a:endParaRPr lang="ja-JP" altLang="en-US" sz="1600" dirty="0">
               <a:solidFill>
                 <a:srgbClr val="595959"/>
               </a:solidFill>
@@ -4658,7 +4677,7 @@
         </p:nvSpPr>
         <p:spPr>
           <a:xfrm>
-            <a:off x="6004455" y="3003796"/>
+            <a:off x="6004457" y="3003796"/>
             <a:ext cx="751929" cy="338554"/>
           </a:xfrm>
           <a:prstGeom prst="rect">
@@ -4673,14 +4692,14 @@
           <a:lstStyle/>
           <a:p>
             <a:r>
-              <a:rPr lang="en-US" altLang="ja-JP" sz="1600" dirty="0" smtClean="0">
+              <a:rPr lang="en-US" altLang="ja-JP" sz="1600" dirty="0">
                 <a:solidFill>
                   <a:srgbClr val="595959"/>
                 </a:solidFill>
               </a:rPr>
               <a:t>import</a:t>
             </a:r>
-            <a:endParaRPr kumimoji="1" lang="ja-JP" altLang="en-US" sz="1600" dirty="0">
+            <a:endParaRPr lang="ja-JP" altLang="en-US" sz="1600" dirty="0">
               <a:solidFill>
                 <a:srgbClr val="595959"/>
               </a:solidFill>
@@ -4696,7 +4715,7 @@
         </p:nvSpPr>
         <p:spPr>
           <a:xfrm>
-            <a:off x="6988489" y="2959856"/>
+            <a:off x="6988491" y="2959856"/>
             <a:ext cx="751929" cy="338554"/>
           </a:xfrm>
           <a:prstGeom prst="rect">
@@ -4711,14 +4730,14 @@
           <a:lstStyle/>
           <a:p>
             <a:r>
-              <a:rPr lang="en-US" altLang="ja-JP" sz="1600" dirty="0" smtClean="0">
+              <a:rPr lang="en-US" altLang="ja-JP" sz="1600" dirty="0">
                 <a:solidFill>
                   <a:srgbClr val="595959"/>
                 </a:solidFill>
               </a:rPr>
               <a:t>import</a:t>
             </a:r>
-            <a:endParaRPr kumimoji="1" lang="ja-JP" altLang="en-US" sz="1600" dirty="0">
+            <a:endParaRPr lang="ja-JP" altLang="en-US" sz="1600" dirty="0">
               <a:solidFill>
                 <a:srgbClr val="595959"/>
               </a:solidFill>
@@ -4771,7 +4790,7 @@
           <a:p>
             <a:pPr algn="ctr"/>
             <a:r>
-              <a:rPr lang="en-US" altLang="ja-JP" sz="1400" dirty="0" err="1" smtClean="0">
+              <a:rPr lang="en-US" altLang="ja-JP" sz="1400" dirty="0" err="1">
                 <a:solidFill>
                   <a:schemeClr val="tx1">
                     <a:lumMod val="65000"/>
@@ -4781,7 +4800,7 @@
               </a:rPr>
               <a:t>codelist.xml</a:t>
             </a:r>
-            <a:endParaRPr kumimoji="1" lang="ja-JP" altLang="en-US" sz="1400" dirty="0" smtClean="0">
+            <a:endParaRPr lang="ja-JP" altLang="en-US" sz="1400" dirty="0">
               <a:solidFill>
                 <a:schemeClr val="tx1">
                   <a:lumMod val="65000"/>
@@ -4803,7 +4822,7 @@
         </p:nvCxnSpPr>
         <p:spPr>
           <a:xfrm rot="16200000" flipH="1">
-            <a:off x="5342472" y="2839550"/>
+            <a:off x="5342472" y="2839552"/>
             <a:ext cx="1823696" cy="499729"/>
           </a:xfrm>
           <a:prstGeom prst="bentConnector2">
@@ -4888,7 +4907,7 @@
         </p:nvCxnSpPr>
         <p:spPr>
           <a:xfrm rot="16200000" flipH="1">
-            <a:off x="5006524" y="1390383"/>
+            <a:off x="5006526" y="1390385"/>
             <a:ext cx="190499" cy="502205"/>
           </a:xfrm>
           <a:prstGeom prst="bentConnector2">
@@ -4931,7 +4950,7 @@
         </p:nvCxnSpPr>
         <p:spPr>
           <a:xfrm>
-            <a:off x="3481081" y="2028948"/>
+            <a:off x="3481081" y="2028950"/>
             <a:ext cx="715678" cy="1026431"/>
           </a:xfrm>
           <a:prstGeom prst="bentConnector3">
@@ -4972,7 +4991,7 @@
         </p:nvSpPr>
         <p:spPr>
           <a:xfrm>
-            <a:off x="3467480" y="708222"/>
+            <a:off x="3467482" y="708222"/>
             <a:ext cx="546043" cy="338554"/>
           </a:xfrm>
           <a:prstGeom prst="rect">
@@ -4987,14 +5006,14 @@
           <a:lstStyle/>
           <a:p>
             <a:r>
-              <a:rPr lang="en-US" altLang="ja-JP" sz="1600" dirty="0" smtClean="0">
+              <a:rPr lang="en-US" altLang="ja-JP" sz="1600" dirty="0">
                 <a:solidFill>
                   <a:srgbClr val="595959"/>
                 </a:solidFill>
               </a:rPr>
               <a:t>load</a:t>
             </a:r>
-            <a:endParaRPr kumimoji="1" lang="ja-JP" altLang="en-US" sz="1600" dirty="0">
+            <a:endParaRPr lang="ja-JP" altLang="en-US" sz="1600" dirty="0">
               <a:solidFill>
                 <a:srgbClr val="595959"/>
               </a:solidFill>
@@ -5010,7 +5029,7 @@
         </p:nvSpPr>
         <p:spPr>
           <a:xfrm>
-            <a:off x="3451353" y="3140459"/>
+            <a:off x="3451355" y="3140459"/>
             <a:ext cx="546043" cy="338554"/>
           </a:xfrm>
           <a:prstGeom prst="rect">
@@ -5025,14 +5044,14 @@
           <a:lstStyle/>
           <a:p>
             <a:r>
-              <a:rPr lang="en-US" altLang="ja-JP" sz="1600" dirty="0" smtClean="0">
+              <a:rPr lang="en-US" altLang="ja-JP" sz="1600" dirty="0">
                 <a:solidFill>
                   <a:srgbClr val="595959"/>
                 </a:solidFill>
               </a:rPr>
               <a:t>load</a:t>
             </a:r>
-            <a:endParaRPr kumimoji="1" lang="ja-JP" altLang="en-US" sz="1600" dirty="0">
+            <a:endParaRPr lang="ja-JP" altLang="en-US" sz="1600" dirty="0">
               <a:solidFill>
                 <a:srgbClr val="595959"/>
               </a:solidFill>
@@ -5090,7 +5109,7 @@
         </p:nvSpPr>
         <p:spPr>
           <a:xfrm>
-            <a:off x="3551672" y="5043239"/>
+            <a:off x="3551674" y="5043239"/>
             <a:ext cx="546043" cy="338554"/>
           </a:xfrm>
           <a:prstGeom prst="rect">
@@ -5105,14 +5124,14 @@
           <a:lstStyle/>
           <a:p>
             <a:r>
-              <a:rPr lang="en-US" altLang="ja-JP" sz="1600" dirty="0" smtClean="0">
+              <a:rPr lang="en-US" altLang="ja-JP" sz="1600" dirty="0">
                 <a:solidFill>
                   <a:srgbClr val="595959"/>
                 </a:solidFill>
               </a:rPr>
               <a:t>load</a:t>
             </a:r>
-            <a:endParaRPr kumimoji="1" lang="ja-JP" altLang="en-US" sz="1600" dirty="0">
+            <a:endParaRPr lang="ja-JP" altLang="en-US" sz="1600" dirty="0">
               <a:solidFill>
                 <a:srgbClr val="595959"/>
               </a:solidFill>
@@ -5128,7 +5147,7 @@
         </p:nvSpPr>
         <p:spPr>
           <a:xfrm>
-            <a:off x="1903580" y="3794653"/>
+            <a:off x="1903582" y="3794653"/>
             <a:ext cx="3404999" cy="584776"/>
           </a:xfrm>
           <a:prstGeom prst="rect">
@@ -5143,7 +5162,7 @@
           <a:lstStyle/>
           <a:p>
             <a:r>
-              <a:rPr lang="en-US" altLang="ja-JP" sz="1600" dirty="0" smtClean="0">
+              <a:rPr lang="en-US" altLang="ja-JP" sz="1600" dirty="0">
                 <a:solidFill>
                   <a:srgbClr val="595959"/>
                 </a:solidFill>
@@ -5169,14 +5188,14 @@
               <a:t>fetch component from </a:t>
             </a:r>
             <a:r>
-              <a:rPr lang="en-US" altLang="ja-JP" sz="1600" smtClean="0">
+              <a:rPr lang="en-US" altLang="ja-JP" sz="1600">
                 <a:solidFill>
                   <a:srgbClr val="595959"/>
                 </a:solidFill>
               </a:rPr>
               <a:t>parent context.</a:t>
             </a:r>
-            <a:endParaRPr kumimoji="1" lang="ja-JP" altLang="en-US" sz="1600" dirty="0">
+            <a:endParaRPr lang="ja-JP" altLang="en-US" sz="1600" dirty="0">
               <a:solidFill>
                 <a:srgbClr val="595959"/>
               </a:solidFill>
@@ -5207,14 +5226,14 @@
           <a:lstStyle/>
           <a:p>
             <a:r>
-              <a:rPr lang="en-US" altLang="ja-JP" sz="3200" dirty="0" smtClean="0">
+              <a:rPr lang="en-US" altLang="ja-JP" sz="3200" dirty="0">
                 <a:solidFill>
                   <a:srgbClr val="595959"/>
                 </a:solidFill>
               </a:rPr>
               <a:t>(1)</a:t>
             </a:r>
-            <a:endParaRPr kumimoji="1" lang="ja-JP" altLang="en-US" sz="3200" dirty="0">
+            <a:endParaRPr lang="ja-JP" altLang="en-US" sz="3200" dirty="0">
               <a:solidFill>
                 <a:srgbClr val="595959"/>
               </a:solidFill>
@@ -5245,14 +5264,14 @@
           <a:lstStyle/>
           <a:p>
             <a:r>
-              <a:rPr lang="en-US" altLang="ja-JP" sz="3200" dirty="0" smtClean="0">
+              <a:rPr lang="en-US" altLang="ja-JP" sz="3200" dirty="0">
                 <a:solidFill>
                   <a:srgbClr val="595959"/>
                 </a:solidFill>
               </a:rPr>
               <a:t>(2)</a:t>
             </a:r>
-            <a:endParaRPr kumimoji="1" lang="ja-JP" altLang="en-US" sz="3200" dirty="0">
+            <a:endParaRPr lang="ja-JP" altLang="en-US" sz="3200" dirty="0">
               <a:solidFill>
                 <a:srgbClr val="595959"/>
               </a:solidFill>
@@ -5273,7 +5292,7 @@
   <p:timing>
     <p:tnLst>
       <p:par>
-        <p:cTn xmlns:p14="http://schemas.microsoft.com/office/powerpoint/2010/main" id="1" dur="indefinite" restart="never" nodeType="tmRoot"/>
+        <p:cTn id="1" dur="indefinite" restart="never" nodeType="tmRoot"/>
       </p:par>
     </p:tnLst>
   </p:timing>
@@ -5299,13 +5318,98 @@
       </p:grpSpPr>
       <p:sp>
         <p:nvSpPr>
-          <p:cNvPr id="4" name="角丸四角形 3"/>
+          <p:cNvPr id="5" name="角丸四角形 4"/>
           <p:cNvSpPr/>
           <p:nvPr/>
         </p:nvSpPr>
         <p:spPr>
           <a:xfrm>
-            <a:off x="-232721" y="3130549"/>
+            <a:off x="2446981" y="3130549"/>
+            <a:ext cx="2150421" cy="825500"/>
+          </a:xfrm>
+          <a:prstGeom prst="roundRect">
+            <a:avLst/>
+          </a:prstGeom>
+          <a:ln/>
+        </p:spPr>
+        <p:style>
+          <a:lnRef idx="1">
+            <a:schemeClr val="accent1"/>
+          </a:lnRef>
+          <a:fillRef idx="3">
+            <a:schemeClr val="accent1"/>
+          </a:fillRef>
+          <a:effectRef idx="2">
+            <a:schemeClr val="accent1"/>
+          </a:effectRef>
+          <a:fontRef idx="minor">
+            <a:schemeClr val="lt1"/>
+          </a:fontRef>
+        </p:style>
+        <p:txBody>
+          <a:bodyPr rtlCol="0" anchor="ctr"/>
+          <a:lstStyle/>
+          <a:p>
+            <a:pPr algn="ctr"/>
+            <a:r>
+              <a:rPr lang="en-US" altLang="ja-JP" sz="1600" dirty="0" err="1"/>
+              <a:t>org.terasoluna.gfw</a:t>
+            </a:r>
+            <a:r>
+              <a:rPr lang="en-US" altLang="ja-JP" sz="1600" dirty="0">
+                <a:solidFill>
+                  <a:schemeClr val="bg1"/>
+                </a:solidFill>
+              </a:rPr>
+              <a:t>	</a:t>
+            </a:r>
+          </a:p>
+          <a:p>
+            <a:pPr algn="ctr"/>
+            <a:r>
+              <a:rPr lang="en-US" altLang="ja-JP" sz="1600" dirty="0" err="1">
+                <a:solidFill>
+                  <a:schemeClr val="bg1"/>
+                </a:solidFill>
+              </a:rPr>
+              <a:t>terasoluna</a:t>
+            </a:r>
+            <a:r>
+              <a:rPr lang="en-US" altLang="ja-JP" sz="1600" dirty="0">
+                <a:solidFill>
+                  <a:schemeClr val="bg1"/>
+                </a:solidFill>
+              </a:rPr>
+              <a:t>-</a:t>
+            </a:r>
+            <a:r>
+              <a:rPr lang="en-US" altLang="ja-JP" sz="1600" dirty="0" err="1">
+                <a:solidFill>
+                  <a:schemeClr val="bg1"/>
+                </a:solidFill>
+              </a:rPr>
+              <a:t>gfw</a:t>
+            </a:r>
+            <a:r>
+              <a:rPr lang="en-US" altLang="ja-JP" sz="1600" dirty="0">
+                <a:solidFill>
+                  <a:schemeClr val="bg1"/>
+                </a:solidFill>
+              </a:rPr>
+              <a:t>-parent</a:t>
+            </a:r>
+          </a:p>
+        </p:txBody>
+      </p:sp>
+      <p:sp>
+        <p:nvSpPr>
+          <p:cNvPr id="7" name="角丸四角形 6"/>
+          <p:cNvSpPr/>
+          <p:nvPr/>
+        </p:nvSpPr>
+        <p:spPr>
+          <a:xfrm>
+            <a:off x="-219321" y="3124200"/>
             <a:ext cx="2506021" cy="825500"/>
           </a:xfrm>
           <a:prstGeom prst="roundRect">
@@ -5349,232 +5453,6 @@
           <a:p>
             <a:pPr algn="ctr"/>
             <a:r>
-              <a:rPr lang="en-US" altLang="ja-JP" sz="1600" dirty="0" err="1" smtClean="0"/>
-              <a:t>io.spring.platform</a:t>
-            </a:r>
-            <a:endParaRPr lang="en-US" altLang="ja-JP" sz="1600" dirty="0" smtClean="0"/>
-          </a:p>
-          <a:p>
-            <a:pPr algn="ctr"/>
-            <a:r>
-              <a:rPr lang="en-US" altLang="ja-JP" sz="1600" dirty="0"/>
-              <a:t>platform-</a:t>
-            </a:r>
-            <a:r>
-              <a:rPr lang="en-US" altLang="ja-JP" sz="1600" dirty="0" err="1" smtClean="0"/>
-              <a:t>bom</a:t>
-            </a:r>
-            <a:endParaRPr lang="en-US" altLang="ja-JP" sz="1600" dirty="0" smtClean="0"/>
-          </a:p>
-        </p:txBody>
-      </p:sp>
-      <p:sp>
-        <p:nvSpPr>
-          <p:cNvPr id="5" name="角丸四角形 4"/>
-          <p:cNvSpPr/>
-          <p:nvPr/>
-        </p:nvSpPr>
-        <p:spPr>
-          <a:xfrm>
-            <a:off x="2446979" y="3130549"/>
-            <a:ext cx="2150421" cy="825500"/>
-          </a:xfrm>
-          <a:prstGeom prst="roundRect">
-            <a:avLst/>
-          </a:prstGeom>
-          <a:ln/>
-        </p:spPr>
-        <p:style>
-          <a:lnRef idx="1">
-            <a:schemeClr val="accent1"/>
-          </a:lnRef>
-          <a:fillRef idx="3">
-            <a:schemeClr val="accent1"/>
-          </a:fillRef>
-          <a:effectRef idx="2">
-            <a:schemeClr val="accent1"/>
-          </a:effectRef>
-          <a:fontRef idx="minor">
-            <a:schemeClr val="lt1"/>
-          </a:fontRef>
-        </p:style>
-        <p:txBody>
-          <a:bodyPr rtlCol="0" anchor="ctr"/>
-          <a:lstStyle/>
-          <a:p>
-            <a:pPr algn="ctr"/>
-            <a:r>
-              <a:rPr lang="en-US" altLang="ja-JP" sz="1600" dirty="0" err="1"/>
-              <a:t>org.terasoluna.gfw</a:t>
-            </a:r>
-            <a:r>
-              <a:rPr lang="en-US" altLang="ja-JP" sz="1600" dirty="0" smtClean="0">
-                <a:solidFill>
-                  <a:schemeClr val="bg1"/>
-                </a:solidFill>
-              </a:rPr>
-              <a:t>	</a:t>
-            </a:r>
-          </a:p>
-          <a:p>
-            <a:pPr algn="ctr"/>
-            <a:r>
-              <a:rPr lang="en-US" altLang="ja-JP" sz="1600" dirty="0" err="1" smtClean="0">
-                <a:solidFill>
-                  <a:schemeClr val="bg1"/>
-                </a:solidFill>
-              </a:rPr>
-              <a:t>terasoluna</a:t>
-            </a:r>
-            <a:r>
-              <a:rPr lang="en-US" altLang="ja-JP" sz="1600" dirty="0" smtClean="0">
-                <a:solidFill>
-                  <a:schemeClr val="bg1"/>
-                </a:solidFill>
-              </a:rPr>
-              <a:t>-</a:t>
-            </a:r>
-            <a:r>
-              <a:rPr lang="en-US" altLang="ja-JP" sz="1600" dirty="0" err="1" smtClean="0">
-                <a:solidFill>
-                  <a:schemeClr val="bg1"/>
-                </a:solidFill>
-              </a:rPr>
-              <a:t>gfw</a:t>
-            </a:r>
-            <a:r>
-              <a:rPr lang="en-US" altLang="ja-JP" sz="1600" dirty="0" smtClean="0">
-                <a:solidFill>
-                  <a:schemeClr val="bg1"/>
-                </a:solidFill>
-              </a:rPr>
-              <a:t>-parent</a:t>
-            </a:r>
-          </a:p>
-        </p:txBody>
-      </p:sp>
-      <p:sp>
-        <p:nvSpPr>
-          <p:cNvPr id="6" name="角丸四角形 5"/>
-          <p:cNvSpPr/>
-          <p:nvPr/>
-        </p:nvSpPr>
-        <p:spPr>
-          <a:xfrm>
-            <a:off x="-232721" y="1955801"/>
-            <a:ext cx="2506021" cy="825500"/>
-          </a:xfrm>
-          <a:prstGeom prst="roundRect">
-            <a:avLst/>
-          </a:prstGeom>
-          <a:gradFill>
-            <a:gsLst>
-              <a:gs pos="40000">
-                <a:srgbClr val="99BA56"/>
-              </a:gs>
-              <a:gs pos="0">
-                <a:srgbClr val="7A973F"/>
-              </a:gs>
-              <a:gs pos="100000">
-                <a:srgbClr val="ACC777"/>
-              </a:gs>
-            </a:gsLst>
-            <a:lin ang="16200000" scaled="1"/>
-          </a:gradFill>
-          <a:ln w="6350"/>
-        </p:spPr>
-        <p:style>
-          <a:lnRef idx="2">
-            <a:schemeClr val="accent3">
-              <a:shade val="50000"/>
-            </a:schemeClr>
-          </a:lnRef>
-          <a:fillRef idx="1">
-            <a:schemeClr val="accent3"/>
-          </a:fillRef>
-          <a:effectRef idx="0">
-            <a:schemeClr val="accent3"/>
-          </a:effectRef>
-          <a:fontRef idx="minor">
-            <a:schemeClr val="lt1"/>
-          </a:fontRef>
-        </p:style>
-        <p:txBody>
-          <a:bodyPr rtlCol="0" anchor="ctr"/>
-          <a:lstStyle/>
-          <a:p>
-            <a:pPr algn="ctr"/>
-            <a:r>
-              <a:rPr lang="en-US" altLang="ja-JP" sz="1600" dirty="0" err="1" smtClean="0"/>
-              <a:t>org.springframework.boot</a:t>
-            </a:r>
-            <a:endParaRPr lang="en-US" altLang="ja-JP" sz="1600" dirty="0" smtClean="0"/>
-          </a:p>
-          <a:p>
-            <a:pPr algn="ctr"/>
-            <a:r>
-              <a:rPr lang="en-US" altLang="ja-JP" sz="1600" dirty="0"/>
-              <a:t>spring-boot-starter-</a:t>
-            </a:r>
-            <a:r>
-              <a:rPr lang="en-US" altLang="ja-JP" sz="1600" dirty="0" smtClean="0"/>
-              <a:t>parent</a:t>
-            </a:r>
-          </a:p>
-        </p:txBody>
-      </p:sp>
-      <p:sp>
-        <p:nvSpPr>
-          <p:cNvPr id="7" name="角丸四角形 6"/>
-          <p:cNvSpPr/>
-          <p:nvPr/>
-        </p:nvSpPr>
-        <p:spPr>
-          <a:xfrm>
-            <a:off x="-232721" y="787400"/>
-            <a:ext cx="2506021" cy="825500"/>
-          </a:xfrm>
-          <a:prstGeom prst="roundRect">
-            <a:avLst/>
-          </a:prstGeom>
-          <a:gradFill>
-            <a:gsLst>
-              <a:gs pos="40000">
-                <a:srgbClr val="99BA56"/>
-              </a:gs>
-              <a:gs pos="0">
-                <a:srgbClr val="7A973F"/>
-              </a:gs>
-              <a:gs pos="100000">
-                <a:srgbClr val="ACC777"/>
-              </a:gs>
-            </a:gsLst>
-            <a:lin ang="16200000" scaled="1"/>
-          </a:gradFill>
-          <a:ln w="6350"/>
-        </p:spPr>
-        <p:style>
-          <a:lnRef idx="2">
-            <a:schemeClr val="accent3">
-              <a:shade val="50000"/>
-            </a:schemeClr>
-          </a:lnRef>
-          <a:fillRef idx="1">
-            <a:schemeClr val="accent3"/>
-          </a:fillRef>
-          <a:effectRef idx="0">
-            <a:schemeClr val="accent3"/>
-          </a:effectRef>
-          <a:fontRef idx="minor">
-            <a:schemeClr val="lt1"/>
-          </a:fontRef>
-        </p:style>
-        <p:txBody>
-          <a:bodyPr rtlCol="0" anchor="ctr"/>
-          <a:lstStyle/>
-          <a:p>
-            <a:pPr algn="ctr"/>
-            <a:r>
               <a:rPr lang="en-US" altLang="ja-JP" sz="1600" dirty="0" err="1"/>
               <a:t>org.springframework.boot</a:t>
             </a:r>
@@ -5583,14 +5461,14 @@
           <a:p>
             <a:pPr algn="ctr"/>
             <a:r>
-              <a:rPr lang="en-US" altLang="ja-JP" sz="1600" dirty="0" smtClean="0"/>
+              <a:rPr lang="en-US" altLang="ja-JP" sz="1600" dirty="0"/>
               <a:t>spring</a:t>
             </a:r>
             <a:r>
               <a:rPr lang="en-US" altLang="ja-JP" sz="1600" dirty="0"/>
               <a:t>-boot-dependencies</a:t>
             </a:r>
-            <a:endParaRPr lang="en-US" altLang="ja-JP" sz="1600" dirty="0" smtClean="0"/>
+            <a:endParaRPr lang="en-US" altLang="ja-JP" sz="1600" dirty="0"/>
           </a:p>
         </p:txBody>
       </p:sp>
@@ -5602,7 +5480,7 @@
         </p:nvSpPr>
         <p:spPr>
           <a:xfrm>
-            <a:off x="4788069" y="3130549"/>
+            <a:off x="4788071" y="3130549"/>
             <a:ext cx="1409531" cy="825500"/>
           </a:xfrm>
           <a:prstGeom prst="roundRect">
@@ -5644,14 +5522,14 @@
           <a:p>
             <a:pPr algn="ctr"/>
             <a:r>
-              <a:rPr lang="en-US" altLang="ja-JP" sz="1600" dirty="0" err="1" smtClean="0">
+              <a:rPr lang="en-US" altLang="ja-JP" sz="1600" dirty="0" err="1">
                 <a:solidFill>
                   <a:srgbClr val="595959"/>
                 </a:solidFill>
               </a:rPr>
               <a:t>artifactId</a:t>
             </a:r>
-            <a:endParaRPr lang="en-US" altLang="ja-JP" sz="1600" dirty="0" smtClean="0">
+            <a:endParaRPr lang="en-US" altLang="ja-JP" sz="1600" dirty="0">
               <a:solidFill>
                 <a:srgbClr val="595959"/>
               </a:solidFill>
@@ -5659,90 +5537,6 @@
           </a:p>
         </p:txBody>
       </p:sp>
-      <p:cxnSp>
-        <p:nvCxnSpPr>
-          <p:cNvPr id="10" name="直線矢印コネクタ 9"/>
-          <p:cNvCxnSpPr>
-            <a:stCxn id="6" idx="0"/>
-            <a:endCxn id="7" idx="2"/>
-          </p:cNvCxnSpPr>
-          <p:nvPr/>
-        </p:nvCxnSpPr>
-        <p:spPr>
-          <a:xfrm flipV="1">
-            <a:off x="1020290" y="1612900"/>
-            <a:ext cx="0" cy="342901"/>
-          </a:xfrm>
-          <a:prstGeom prst="straightConnector1">
-            <a:avLst/>
-          </a:prstGeom>
-          <a:ln>
-            <a:solidFill>
-              <a:schemeClr val="tx1">
-                <a:lumMod val="65000"/>
-                <a:lumOff val="35000"/>
-              </a:schemeClr>
-            </a:solidFill>
-            <a:tailEnd type="arrow"/>
-          </a:ln>
-        </p:spPr>
-        <p:style>
-          <a:lnRef idx="2">
-            <a:schemeClr val="accent1"/>
-          </a:lnRef>
-          <a:fillRef idx="0">
-            <a:schemeClr val="accent1"/>
-          </a:fillRef>
-          <a:effectRef idx="1">
-            <a:schemeClr val="accent1"/>
-          </a:effectRef>
-          <a:fontRef idx="minor">
-            <a:schemeClr val="tx1"/>
-          </a:fontRef>
-        </p:style>
-      </p:cxnSp>
-      <p:cxnSp>
-        <p:nvCxnSpPr>
-          <p:cNvPr id="11" name="直線矢印コネクタ 10"/>
-          <p:cNvCxnSpPr>
-            <a:stCxn id="4" idx="0"/>
-            <a:endCxn id="6" idx="2"/>
-          </p:cNvCxnSpPr>
-          <p:nvPr/>
-        </p:nvCxnSpPr>
-        <p:spPr>
-          <a:xfrm flipV="1">
-            <a:off x="1020290" y="2781301"/>
-            <a:ext cx="0" cy="349248"/>
-          </a:xfrm>
-          <a:prstGeom prst="straightConnector1">
-            <a:avLst/>
-          </a:prstGeom>
-          <a:ln>
-            <a:solidFill>
-              <a:schemeClr val="tx1">
-                <a:lumMod val="65000"/>
-                <a:lumOff val="35000"/>
-              </a:schemeClr>
-            </a:solidFill>
-            <a:tailEnd type="arrow"/>
-          </a:ln>
-        </p:spPr>
-        <p:style>
-          <a:lnRef idx="2">
-            <a:schemeClr val="accent1"/>
-          </a:lnRef>
-          <a:fillRef idx="0">
-            <a:schemeClr val="accent1"/>
-          </a:fillRef>
-          <a:effectRef idx="1">
-            <a:schemeClr val="accent1"/>
-          </a:effectRef>
-          <a:fontRef idx="minor">
-            <a:schemeClr val="tx1"/>
-          </a:fontRef>
-        </p:style>
-      </p:cxnSp>
       <p:sp>
         <p:nvSpPr>
           <p:cNvPr id="14" name="角丸四角形 13"/>
@@ -5751,7 +5545,7 @@
         </p:nvSpPr>
         <p:spPr>
           <a:xfrm>
-            <a:off x="7141689" y="1155698"/>
+            <a:off x="7141691" y="1155698"/>
             <a:ext cx="1824511" cy="825500"/>
           </a:xfrm>
           <a:prstGeom prst="roundRect">
@@ -5793,7 +5587,7 @@
           <a:p>
             <a:pPr algn="ctr"/>
             <a:r>
-              <a:rPr lang="en-US" altLang="ja-JP" sz="1600" dirty="0" err="1" smtClean="0">
+              <a:rPr lang="en-US" altLang="ja-JP" sz="1600" dirty="0" err="1">
                 <a:solidFill>
                   <a:srgbClr val="595959"/>
                 </a:solidFill>
@@ -5801,7 +5595,7 @@
               <a:t>artifactId</a:t>
             </a:r>
             <a:r>
-              <a:rPr lang="en-US" altLang="ja-JP" sz="1600" dirty="0" smtClean="0">
+              <a:rPr lang="en-US" altLang="ja-JP" sz="1600" dirty="0">
                 <a:solidFill>
                   <a:srgbClr val="595959"/>
                 </a:solidFill>
@@ -5819,7 +5613,7 @@
         </p:nvSpPr>
         <p:spPr>
           <a:xfrm>
-            <a:off x="7141689" y="2133601"/>
+            <a:off x="7141691" y="2133601"/>
             <a:ext cx="1824511" cy="825500"/>
           </a:xfrm>
           <a:prstGeom prst="roundRect">
@@ -5861,7 +5655,7 @@
           <a:p>
             <a:pPr algn="ctr"/>
             <a:r>
-              <a:rPr lang="en-US" altLang="ja-JP" sz="1600" dirty="0" err="1" smtClean="0">
+              <a:rPr lang="en-US" altLang="ja-JP" sz="1600" dirty="0" err="1">
                 <a:solidFill>
                   <a:srgbClr val="595959"/>
                 </a:solidFill>
@@ -5869,7 +5663,7 @@
               <a:t>artifactId</a:t>
             </a:r>
             <a:r>
-              <a:rPr lang="en-US" altLang="ja-JP" sz="1600" dirty="0" smtClean="0">
+              <a:rPr lang="en-US" altLang="ja-JP" sz="1600" dirty="0">
                 <a:solidFill>
                   <a:srgbClr val="595959"/>
                 </a:solidFill>
@@ -5887,7 +5681,7 @@
         </p:nvSpPr>
         <p:spPr>
           <a:xfrm>
-            <a:off x="7141689" y="3136898"/>
+            <a:off x="7141691" y="3136898"/>
             <a:ext cx="1824511" cy="825500"/>
           </a:xfrm>
           <a:prstGeom prst="roundRect">
@@ -5929,14 +5723,14 @@
           <a:p>
             <a:pPr algn="ctr"/>
             <a:r>
-              <a:rPr lang="en-US" altLang="ja-JP" sz="1600" dirty="0" err="1" smtClean="0">
+              <a:rPr lang="en-US" altLang="ja-JP" sz="1600" dirty="0" err="1">
                 <a:solidFill>
                   <a:srgbClr val="595959"/>
                 </a:solidFill>
               </a:rPr>
               <a:t>artifactId-env</a:t>
             </a:r>
-            <a:endParaRPr lang="en-US" altLang="ja-JP" sz="1600" dirty="0" smtClean="0">
+            <a:endParaRPr lang="en-US" altLang="ja-JP" sz="1600" dirty="0">
               <a:solidFill>
                 <a:srgbClr val="595959"/>
               </a:solidFill>
@@ -5952,7 +5746,7 @@
         </p:nvSpPr>
         <p:spPr>
           <a:xfrm>
-            <a:off x="7141689" y="4152898"/>
+            <a:off x="7141691" y="4152898"/>
             <a:ext cx="1824511" cy="825500"/>
           </a:xfrm>
           <a:prstGeom prst="roundRect">
@@ -5994,14 +5788,14 @@
           <a:p>
             <a:pPr algn="ctr"/>
             <a:r>
-              <a:rPr lang="en-US" altLang="ja-JP" sz="1600" dirty="0" err="1" smtClean="0">
+              <a:rPr lang="en-US" altLang="ja-JP" sz="1600" dirty="0" err="1">
                 <a:solidFill>
                   <a:srgbClr val="595959"/>
                 </a:solidFill>
               </a:rPr>
               <a:t>artifactId-initdb</a:t>
             </a:r>
-            <a:endParaRPr lang="en-US" altLang="ja-JP" sz="1600" dirty="0" smtClean="0">
+            <a:endParaRPr lang="en-US" altLang="ja-JP" sz="1600" dirty="0">
               <a:solidFill>
                 <a:srgbClr val="595959"/>
               </a:solidFill>
@@ -6017,7 +5811,7 @@
         </p:nvSpPr>
         <p:spPr>
           <a:xfrm>
-            <a:off x="7141689" y="5143498"/>
+            <a:off x="7141691" y="5143498"/>
             <a:ext cx="1824511" cy="825500"/>
           </a:xfrm>
           <a:prstGeom prst="roundRect">
@@ -6059,7 +5853,7 @@
           <a:p>
             <a:pPr algn="ctr"/>
             <a:r>
-              <a:rPr lang="en-US" altLang="ja-JP" sz="1600" dirty="0" err="1" smtClean="0">
+              <a:rPr lang="en-US" altLang="ja-JP" sz="1600" dirty="0" err="1">
                 <a:solidFill>
                   <a:srgbClr val="595959"/>
                 </a:solidFill>
@@ -6067,7 +5861,7 @@
               <a:t>artifactId</a:t>
             </a:r>
             <a:r>
-              <a:rPr lang="en-US" altLang="ja-JP" sz="1600" dirty="0" smtClean="0">
+              <a:rPr lang="en-US" altLang="ja-JP" sz="1600" dirty="0">
                 <a:solidFill>
                   <a:srgbClr val="595959"/>
                 </a:solidFill>
@@ -6082,18 +5876,18 @@
           <p:cNvPr id="19" name="直線矢印コネクタ 18"/>
           <p:cNvCxnSpPr>
             <a:stCxn id="5" idx="2"/>
-            <a:endCxn id="4" idx="2"/>
+            <a:endCxn id="7" idx="2"/>
           </p:cNvCxnSpPr>
           <p:nvPr/>
         </p:nvCxnSpPr>
         <p:spPr>
-          <a:xfrm rot="5400000">
-            <a:off x="2271240" y="2705099"/>
-            <a:ext cx="12700" cy="2501900"/>
+          <a:xfrm rot="5400000" flipH="1">
+            <a:off x="2274767" y="2708627"/>
+            <a:ext cx="6349" cy="2488501"/>
           </a:xfrm>
           <a:prstGeom prst="bentConnector3">
             <a:avLst>
-              <a:gd name="adj1" fmla="val 1800000"/>
+              <a:gd name="adj1" fmla="val -3600567"/>
             </a:avLst>
           </a:prstGeom>
           <a:ln>
@@ -6132,7 +5926,7 @@
         </p:nvCxnSpPr>
         <p:spPr>
           <a:xfrm rot="16200000" flipV="1">
-            <a:off x="4507513" y="2145226"/>
+            <a:off x="4507513" y="2145228"/>
             <a:ext cx="12700" cy="1970645"/>
           </a:xfrm>
           <a:prstGeom prst="bentConnector3">
@@ -6167,14 +5961,14 @@
       </p:cxnSp>
       <p:sp>
         <p:nvSpPr>
-          <p:cNvPr id="35" name="テキスト ボックス 34"/>
+          <p:cNvPr id="37" name="テキスト ボックス 36"/>
           <p:cNvSpPr txBox="1"/>
           <p:nvPr/>
         </p:nvSpPr>
         <p:spPr>
           <a:xfrm>
-            <a:off x="1064740" y="1587500"/>
-            <a:ext cx="813043" cy="369332"/>
+            <a:off x="584201" y="4197866"/>
+            <a:ext cx="4239740" cy="369332"/>
           </a:xfrm>
           <a:prstGeom prst="rect">
             <a:avLst/>
@@ -6182,13 +5976,57 @@
           <a:noFill/>
         </p:spPr>
         <p:txBody>
+          <a:bodyPr wrap="square" rtlCol="0">
+            <a:spAutoFit/>
+          </a:bodyPr>
+          <a:lstStyle/>
+          <a:p>
+            <a:r>
+              <a:rPr lang="en-US" altLang="ja-JP" dirty="0">
+                <a:solidFill>
+                  <a:schemeClr val="tx1">
+                    <a:lumMod val="65000"/>
+                    <a:lumOff val="35000"/>
+                  </a:schemeClr>
+                </a:solidFill>
+              </a:rPr>
+              <a:t>Import the dependency management</a:t>
+            </a:r>
+            <a:endParaRPr lang="ja-JP" altLang="en-US" dirty="0">
+              <a:solidFill>
+                <a:schemeClr val="tx1">
+                  <a:lumMod val="65000"/>
+                  <a:lumOff val="35000"/>
+                </a:schemeClr>
+              </a:solidFill>
+            </a:endParaRPr>
+          </a:p>
+        </p:txBody>
+      </p:sp>
+      <p:sp>
+        <p:nvSpPr>
+          <p:cNvPr id="38" name="テキスト ボックス 37"/>
+          <p:cNvSpPr txBox="1"/>
+          <p:nvPr/>
+        </p:nvSpPr>
+        <p:spPr>
+          <a:xfrm>
+            <a:off x="4191049" y="2507735"/>
+            <a:ext cx="813043" cy="369332"/>
+          </a:xfrm>
+          <a:prstGeom prst="rect">
+            <a:avLst/>
+          </a:prstGeom>
+          <a:noFill/>
+        </p:spPr>
+        <p:txBody>
           <a:bodyPr wrap="none" rtlCol="0">
             <a:spAutoFit/>
           </a:bodyPr>
           <a:lstStyle/>
           <a:p>
             <a:r>
-              <a:rPr kumimoji="1" lang="en-US" altLang="ja-JP" dirty="0" smtClean="0">
+              <a:rPr lang="en-US" altLang="ja-JP" dirty="0">
                 <a:solidFill>
                   <a:schemeClr val="tx1">
                     <a:lumMod val="65000"/>
@@ -6198,7 +6036,7 @@
               </a:rPr>
               <a:t>parent</a:t>
             </a:r>
-            <a:endParaRPr kumimoji="1" lang="ja-JP" altLang="en-US" dirty="0">
+            <a:endParaRPr lang="ja-JP" altLang="en-US" dirty="0">
               <a:solidFill>
                 <a:schemeClr val="tx1">
                   <a:lumMod val="65000"/>
@@ -6211,13 +6049,13 @@
       </p:sp>
       <p:sp>
         <p:nvSpPr>
-          <p:cNvPr id="36" name="テキスト ボックス 35"/>
+          <p:cNvPr id="63" name="テキスト ボックス 62"/>
           <p:cNvSpPr txBox="1"/>
           <p:nvPr/>
         </p:nvSpPr>
         <p:spPr>
           <a:xfrm>
-            <a:off x="1088323" y="2755901"/>
+            <a:off x="6163548" y="3752333"/>
             <a:ext cx="813043" cy="369332"/>
           </a:xfrm>
           <a:prstGeom prst="rect">
@@ -6232,7 +6070,7 @@
           <a:lstStyle/>
           <a:p>
             <a:r>
-              <a:rPr kumimoji="1" lang="en-US" altLang="ja-JP" dirty="0" smtClean="0">
+              <a:rPr lang="en-US" altLang="ja-JP" dirty="0">
                 <a:solidFill>
                   <a:schemeClr val="tx1">
                     <a:lumMod val="65000"/>
@@ -6242,7 +6080,7 @@
               </a:rPr>
               <a:t>parent</a:t>
             </a:r>
-            <a:endParaRPr kumimoji="1" lang="ja-JP" altLang="en-US" dirty="0">
+            <a:endParaRPr lang="ja-JP" altLang="en-US" dirty="0">
               <a:solidFill>
                 <a:schemeClr val="tx1">
                   <a:lumMod val="65000"/>
@@ -6255,145 +6093,13 @@
       </p:sp>
       <p:sp>
         <p:nvSpPr>
-          <p:cNvPr id="37" name="テキスト ボックス 36"/>
-          <p:cNvSpPr txBox="1"/>
-          <p:nvPr/>
-        </p:nvSpPr>
-        <p:spPr>
-          <a:xfrm>
-            <a:off x="584201" y="4197866"/>
-            <a:ext cx="4239740" cy="369332"/>
-          </a:xfrm>
-          <a:prstGeom prst="rect">
-            <a:avLst/>
-          </a:prstGeom>
-          <a:noFill/>
-        </p:spPr>
-        <p:txBody>
-          <a:bodyPr wrap="square" rtlCol="0">
-            <a:spAutoFit/>
-          </a:bodyPr>
-          <a:lstStyle/>
-          <a:p>
-            <a:r>
-              <a:rPr kumimoji="1" lang="en-US" altLang="ja-JP" dirty="0" smtClean="0">
-                <a:solidFill>
-                  <a:schemeClr val="tx1">
-                    <a:lumMod val="65000"/>
-                    <a:lumOff val="35000"/>
-                  </a:schemeClr>
-                </a:solidFill>
-              </a:rPr>
-              <a:t>Import the dependency management</a:t>
-            </a:r>
-            <a:endParaRPr kumimoji="1" lang="ja-JP" altLang="en-US" dirty="0">
-              <a:solidFill>
-                <a:schemeClr val="tx1">
-                  <a:lumMod val="65000"/>
-                  <a:lumOff val="35000"/>
-                </a:schemeClr>
-              </a:solidFill>
-            </a:endParaRPr>
-          </a:p>
-        </p:txBody>
-      </p:sp>
-      <p:sp>
-        <p:nvSpPr>
-          <p:cNvPr id="38" name="テキスト ボックス 37"/>
-          <p:cNvSpPr txBox="1"/>
-          <p:nvPr/>
-        </p:nvSpPr>
-        <p:spPr>
-          <a:xfrm>
-            <a:off x="4191047" y="2507735"/>
-            <a:ext cx="813043" cy="369332"/>
-          </a:xfrm>
-          <a:prstGeom prst="rect">
-            <a:avLst/>
-          </a:prstGeom>
-          <a:noFill/>
-        </p:spPr>
-        <p:txBody>
-          <a:bodyPr wrap="none" rtlCol="0">
-            <a:spAutoFit/>
-          </a:bodyPr>
-          <a:lstStyle/>
-          <a:p>
-            <a:r>
-              <a:rPr kumimoji="1" lang="en-US" altLang="ja-JP" dirty="0" smtClean="0">
-                <a:solidFill>
-                  <a:schemeClr val="tx1">
-                    <a:lumMod val="65000"/>
-                    <a:lumOff val="35000"/>
-                  </a:schemeClr>
-                </a:solidFill>
-              </a:rPr>
-              <a:t>parent</a:t>
-            </a:r>
-            <a:endParaRPr kumimoji="1" lang="ja-JP" altLang="en-US" dirty="0">
-              <a:solidFill>
-                <a:schemeClr val="tx1">
-                  <a:lumMod val="65000"/>
-                  <a:lumOff val="35000"/>
-                </a:schemeClr>
-              </a:solidFill>
-            </a:endParaRPr>
-          </a:p>
-        </p:txBody>
-      </p:sp>
-      <p:sp>
-        <p:nvSpPr>
-          <p:cNvPr id="63" name="テキスト ボックス 62"/>
-          <p:cNvSpPr txBox="1"/>
-          <p:nvPr/>
-        </p:nvSpPr>
-        <p:spPr>
-          <a:xfrm>
-            <a:off x="6163546" y="3752333"/>
-            <a:ext cx="813043" cy="369332"/>
-          </a:xfrm>
-          <a:prstGeom prst="rect">
-            <a:avLst/>
-          </a:prstGeom>
-          <a:noFill/>
-        </p:spPr>
-        <p:txBody>
-          <a:bodyPr wrap="none" rtlCol="0">
-            <a:spAutoFit/>
-          </a:bodyPr>
-          <a:lstStyle/>
-          <a:p>
-            <a:r>
-              <a:rPr kumimoji="1" lang="en-US" altLang="ja-JP" dirty="0" smtClean="0">
-                <a:solidFill>
-                  <a:schemeClr val="tx1">
-                    <a:lumMod val="65000"/>
-                    <a:lumOff val="35000"/>
-                  </a:schemeClr>
-                </a:solidFill>
-              </a:rPr>
-              <a:t>parent</a:t>
-            </a:r>
-            <a:endParaRPr kumimoji="1" lang="ja-JP" altLang="en-US" dirty="0">
-              <a:solidFill>
-                <a:schemeClr val="tx1">
-                  <a:lumMod val="65000"/>
-                  <a:lumOff val="35000"/>
-                </a:schemeClr>
-              </a:solidFill>
-            </a:endParaRPr>
-          </a:p>
-        </p:txBody>
-      </p:sp>
-      <p:sp>
-        <p:nvSpPr>
           <p:cNvPr id="64" name="角丸四角形 63"/>
           <p:cNvSpPr/>
           <p:nvPr/>
         </p:nvSpPr>
         <p:spPr>
           <a:xfrm>
-            <a:off x="6963889" y="977900"/>
+            <a:off x="6963891" y="977900"/>
             <a:ext cx="2142011" cy="5156200"/>
           </a:xfrm>
           <a:prstGeom prst="roundRect">
@@ -6429,7 +6135,7 @@
           <a:lstStyle/>
           <a:p>
             <a:pPr algn="ctr"/>
-            <a:endParaRPr kumimoji="1" lang="ja-JP" altLang="en-US" sz="2400" dirty="0" smtClean="0">
+            <a:endParaRPr lang="ja-JP" altLang="en-US" sz="2400" dirty="0">
               <a:solidFill>
                 <a:schemeClr val="bg1"/>
               </a:solidFill>
@@ -6445,7 +6151,7 @@
         </p:nvCxnSpPr>
         <p:spPr>
           <a:xfrm>
-            <a:off x="6197600" y="3739632"/>
+            <a:off x="6197602" y="3739634"/>
             <a:ext cx="766289" cy="1"/>
           </a:xfrm>
           <a:prstGeom prst="straightConnector1">
@@ -6485,7 +6191,7 @@
         </p:nvSpPr>
         <p:spPr>
           <a:xfrm>
-            <a:off x="6146800" y="2984498"/>
+            <a:off x="6146802" y="2984498"/>
             <a:ext cx="901171" cy="369332"/>
           </a:xfrm>
           <a:prstGeom prst="rect">
@@ -6500,7 +6206,7 @@
           <a:lstStyle/>
           <a:p>
             <a:r>
-              <a:rPr kumimoji="1" lang="en-US" altLang="ja-JP" dirty="0" smtClean="0">
+              <a:rPr lang="en-US" altLang="ja-JP" dirty="0">
                 <a:solidFill>
                   <a:schemeClr val="tx1">
                     <a:lumMod val="65000"/>
@@ -6510,7 +6216,7 @@
               </a:rPr>
               <a:t>module</a:t>
             </a:r>
-            <a:endParaRPr kumimoji="1" lang="ja-JP" altLang="en-US" dirty="0">
+            <a:endParaRPr lang="ja-JP" altLang="en-US" dirty="0">
               <a:solidFill>
                 <a:schemeClr val="tx1">
                   <a:lumMod val="65000"/>
@@ -6529,7 +6235,7 @@
         </p:nvCxnSpPr>
         <p:spPr>
           <a:xfrm>
-            <a:off x="6197600" y="3417329"/>
+            <a:off x="6197602" y="3417331"/>
             <a:ext cx="766289" cy="1"/>
           </a:xfrm>
           <a:prstGeom prst="straightConnector1">
@@ -6569,7 +6275,7 @@
         </p:nvSpPr>
         <p:spPr>
           <a:xfrm>
-            <a:off x="4690589" y="787400"/>
+            <a:off x="4690591" y="787400"/>
             <a:ext cx="4758211" cy="5499100"/>
           </a:xfrm>
           <a:prstGeom prst="roundRect">
@@ -6605,7 +6311,7 @@
           <a:lstStyle/>
           <a:p>
             <a:pPr algn="ctr"/>
-            <a:endParaRPr kumimoji="1" lang="ja-JP" altLang="en-US" sz="2400" dirty="0" smtClean="0">
+            <a:endParaRPr lang="ja-JP" altLang="en-US" sz="2400" dirty="0">
               <a:solidFill>
                 <a:schemeClr val="bg1"/>
               </a:solidFill>
@@ -6670,14 +6376,14 @@
           <a:p>
             <a:pPr algn="ctr"/>
             <a:r>
-              <a:rPr kumimoji="1" lang="en-US" altLang="ja-JP" sz="2800" b="1" dirty="0" smtClean="0">
+              <a:rPr lang="en-US" altLang="ja-JP" sz="2800" b="1" dirty="0">
                 <a:solidFill>
                   <a:srgbClr val="595959"/>
                 </a:solidFill>
               </a:rPr>
               <a:t>Your Projects</a:t>
             </a:r>
-            <a:endParaRPr kumimoji="1" lang="ja-JP" altLang="en-US" sz="2800" b="1" dirty="0" smtClean="0">
+            <a:endParaRPr lang="ja-JP" altLang="en-US" sz="2800" b="1" dirty="0">
               <a:solidFill>
                 <a:srgbClr val="595959"/>
               </a:solidFill>
@@ -6708,14 +6414,14 @@
           <a:lstStyle/>
           <a:p>
             <a:r>
-              <a:rPr lang="en-US" altLang="ja-JP" sz="3200" dirty="0" smtClean="0">
+              <a:rPr lang="en-US" altLang="ja-JP" sz="3200" dirty="0">
                 <a:solidFill>
                   <a:srgbClr val="595959"/>
                 </a:solidFill>
               </a:rPr>
               <a:t>(1)</a:t>
             </a:r>
-            <a:endParaRPr kumimoji="1" lang="ja-JP" altLang="en-US" sz="3200" dirty="0">
+            <a:endParaRPr lang="ja-JP" altLang="en-US" sz="3200" dirty="0">
               <a:solidFill>
                 <a:srgbClr val="595959"/>
               </a:solidFill>
@@ -6731,7 +6437,7 @@
         </p:nvSpPr>
         <p:spPr>
           <a:xfrm>
-            <a:off x="2550640" y="2539422"/>
+            <a:off x="2586858" y="2568731"/>
             <a:ext cx="641522" cy="584776"/>
           </a:xfrm>
           <a:prstGeom prst="rect">
@@ -6746,14 +6452,14 @@
           <a:lstStyle/>
           <a:p>
             <a:r>
-              <a:rPr lang="en-US" altLang="ja-JP" sz="3200" dirty="0" smtClean="0">
+              <a:rPr lang="en-US" altLang="ja-JP" sz="3200" dirty="0">
                 <a:solidFill>
                   <a:srgbClr val="595959"/>
                 </a:solidFill>
               </a:rPr>
               <a:t>(2)</a:t>
             </a:r>
-            <a:endParaRPr kumimoji="1" lang="ja-JP" altLang="en-US" sz="3200" dirty="0">
+            <a:endParaRPr lang="ja-JP" altLang="en-US" sz="3200" dirty="0">
               <a:solidFill>
                 <a:srgbClr val="595959"/>
               </a:solidFill>
@@ -6769,7 +6475,7 @@
         </p:nvSpPr>
         <p:spPr>
           <a:xfrm>
-            <a:off x="-869781" y="2958523"/>
+            <a:off x="-57321" y="2566039"/>
             <a:ext cx="641522" cy="584776"/>
           </a:xfrm>
           <a:prstGeom prst="rect">
@@ -6784,90 +6490,14 @@
           <a:lstStyle/>
           <a:p>
             <a:r>
-              <a:rPr lang="en-US" altLang="ja-JP" sz="3200" dirty="0" smtClean="0">
+              <a:rPr lang="en-US" altLang="ja-JP" sz="3200" dirty="0">
                 <a:solidFill>
                   <a:srgbClr val="595959"/>
                 </a:solidFill>
               </a:rPr>
               <a:t>(3)</a:t>
             </a:r>
-            <a:endParaRPr kumimoji="1" lang="ja-JP" altLang="en-US" sz="3200" dirty="0">
-              <a:solidFill>
-                <a:srgbClr val="595959"/>
-              </a:solidFill>
-            </a:endParaRPr>
-          </a:p>
-        </p:txBody>
-      </p:sp>
-      <p:sp>
-        <p:nvSpPr>
-          <p:cNvPr id="76" name="テキスト ボックス 75"/>
-          <p:cNvSpPr txBox="1"/>
-          <p:nvPr/>
-        </p:nvSpPr>
-        <p:spPr>
-          <a:xfrm>
-            <a:off x="-869781" y="1841213"/>
-            <a:ext cx="641522" cy="584776"/>
-          </a:xfrm>
-          <a:prstGeom prst="rect">
-            <a:avLst/>
-          </a:prstGeom>
-          <a:noFill/>
-        </p:spPr>
-        <p:txBody>
-          <a:bodyPr wrap="none" rtlCol="0">
-            <a:spAutoFit/>
-          </a:bodyPr>
-          <a:lstStyle/>
-          <a:p>
-            <a:r>
-              <a:rPr lang="en-US" altLang="ja-JP" sz="3200" dirty="0" smtClean="0">
-                <a:solidFill>
-                  <a:srgbClr val="595959"/>
-                </a:solidFill>
-              </a:rPr>
-              <a:t>(4)</a:t>
-            </a:r>
-            <a:endParaRPr kumimoji="1" lang="ja-JP" altLang="en-US" sz="3200" dirty="0">
-              <a:solidFill>
-                <a:srgbClr val="595959"/>
-              </a:solidFill>
-            </a:endParaRPr>
-          </a:p>
-        </p:txBody>
-      </p:sp>
-      <p:sp>
-        <p:nvSpPr>
-          <p:cNvPr id="77" name="テキスト ボックス 76"/>
-          <p:cNvSpPr txBox="1"/>
-          <p:nvPr/>
-        </p:nvSpPr>
-        <p:spPr>
-          <a:xfrm>
-            <a:off x="-852964" y="609022"/>
-            <a:ext cx="641522" cy="584776"/>
-          </a:xfrm>
-          <a:prstGeom prst="rect">
-            <a:avLst/>
-          </a:prstGeom>
-          <a:noFill/>
-        </p:spPr>
-        <p:txBody>
-          <a:bodyPr wrap="none" rtlCol="0">
-            <a:spAutoFit/>
-          </a:bodyPr>
-          <a:lstStyle/>
-          <a:p>
-            <a:r>
-              <a:rPr lang="en-US" altLang="ja-JP" sz="3200" dirty="0" smtClean="0">
-                <a:solidFill>
-                  <a:srgbClr val="595959"/>
-                </a:solidFill>
-              </a:rPr>
-              <a:t>(5)</a:t>
-            </a:r>
-            <a:endParaRPr kumimoji="1" lang="ja-JP" altLang="en-US" sz="3200" dirty="0">
+            <a:endParaRPr lang="ja-JP" altLang="en-US" sz="3200" dirty="0">
               <a:solidFill>
                 <a:srgbClr val="595959"/>
               </a:solidFill>
